--- a/Koło Bioinformatyczne.pptx
+++ b/Koło Bioinformatyczne.pptx
@@ -8,6 +8,7 @@
     <p:sldId id="256" r:id="rId2"/>
     <p:sldId id="257" r:id="rId3"/>
     <p:sldId id="258" r:id="rId4"/>
+    <p:sldId id="259" r:id="rId5"/>
   </p:sldIdLst>
   <p:sldSz cx="12192000" cy="6858000"/>
   <p:notesSz cx="6858000" cy="9144000"/>
@@ -256,7 +257,7 @@
           <a:p>
             <a:fld id="{8497C372-0BED-49DD-B469-B30FB3ED6976}" type="datetimeFigureOut">
               <a:rPr lang="pl-PL" smtClean="0"/>
-              <a:t>14.01.2018</a:t>
+              <a:t>15.01.2018</a:t>
             </a:fld>
             <a:endParaRPr lang="pl-PL"/>
           </a:p>
@@ -426,7 +427,7 @@
           <a:p>
             <a:fld id="{8497C372-0BED-49DD-B469-B30FB3ED6976}" type="datetimeFigureOut">
               <a:rPr lang="pl-PL" smtClean="0"/>
-              <a:t>14.01.2018</a:t>
+              <a:t>15.01.2018</a:t>
             </a:fld>
             <a:endParaRPr lang="pl-PL"/>
           </a:p>
@@ -606,7 +607,7 @@
           <a:p>
             <a:fld id="{8497C372-0BED-49DD-B469-B30FB3ED6976}" type="datetimeFigureOut">
               <a:rPr lang="pl-PL" smtClean="0"/>
-              <a:t>14.01.2018</a:t>
+              <a:t>15.01.2018</a:t>
             </a:fld>
             <a:endParaRPr lang="pl-PL"/>
           </a:p>
@@ -776,7 +777,7 @@
           <a:p>
             <a:fld id="{8497C372-0BED-49DD-B469-B30FB3ED6976}" type="datetimeFigureOut">
               <a:rPr lang="pl-PL" smtClean="0"/>
-              <a:t>14.01.2018</a:t>
+              <a:t>15.01.2018</a:t>
             </a:fld>
             <a:endParaRPr lang="pl-PL"/>
           </a:p>
@@ -1022,7 +1023,7 @@
           <a:p>
             <a:fld id="{8497C372-0BED-49DD-B469-B30FB3ED6976}" type="datetimeFigureOut">
               <a:rPr lang="pl-PL" smtClean="0"/>
-              <a:t>14.01.2018</a:t>
+              <a:t>15.01.2018</a:t>
             </a:fld>
             <a:endParaRPr lang="pl-PL"/>
           </a:p>
@@ -1254,7 +1255,7 @@
           <a:p>
             <a:fld id="{8497C372-0BED-49DD-B469-B30FB3ED6976}" type="datetimeFigureOut">
               <a:rPr lang="pl-PL" smtClean="0"/>
-              <a:t>14.01.2018</a:t>
+              <a:t>15.01.2018</a:t>
             </a:fld>
             <a:endParaRPr lang="pl-PL"/>
           </a:p>
@@ -1621,7 +1622,7 @@
           <a:p>
             <a:fld id="{8497C372-0BED-49DD-B469-B30FB3ED6976}" type="datetimeFigureOut">
               <a:rPr lang="pl-PL" smtClean="0"/>
-              <a:t>14.01.2018</a:t>
+              <a:t>15.01.2018</a:t>
             </a:fld>
             <a:endParaRPr lang="pl-PL"/>
           </a:p>
@@ -1739,7 +1740,7 @@
           <a:p>
             <a:fld id="{8497C372-0BED-49DD-B469-B30FB3ED6976}" type="datetimeFigureOut">
               <a:rPr lang="pl-PL" smtClean="0"/>
-              <a:t>14.01.2018</a:t>
+              <a:t>15.01.2018</a:t>
             </a:fld>
             <a:endParaRPr lang="pl-PL"/>
           </a:p>
@@ -1834,7 +1835,7 @@
           <a:p>
             <a:fld id="{8497C372-0BED-49DD-B469-B30FB3ED6976}" type="datetimeFigureOut">
               <a:rPr lang="pl-PL" smtClean="0"/>
-              <a:t>14.01.2018</a:t>
+              <a:t>15.01.2018</a:t>
             </a:fld>
             <a:endParaRPr lang="pl-PL"/>
           </a:p>
@@ -2111,7 +2112,7 @@
           <a:p>
             <a:fld id="{8497C372-0BED-49DD-B469-B30FB3ED6976}" type="datetimeFigureOut">
               <a:rPr lang="pl-PL" smtClean="0"/>
-              <a:t>14.01.2018</a:t>
+              <a:t>15.01.2018</a:t>
             </a:fld>
             <a:endParaRPr lang="pl-PL"/>
           </a:p>
@@ -2364,7 +2365,7 @@
           <a:p>
             <a:fld id="{8497C372-0BED-49DD-B469-B30FB3ED6976}" type="datetimeFigureOut">
               <a:rPr lang="pl-PL" smtClean="0"/>
-              <a:t>14.01.2018</a:t>
+              <a:t>15.01.2018</a:t>
             </a:fld>
             <a:endParaRPr lang="pl-PL"/>
           </a:p>
@@ -2577,7 +2578,7 @@
           <a:p>
             <a:fld id="{8497C372-0BED-49DD-B469-B30FB3ED6976}" type="datetimeFigureOut">
               <a:rPr lang="pl-PL" smtClean="0"/>
-              <a:t>14.01.2018</a:t>
+              <a:t>15.01.2018</a:t>
             </a:fld>
             <a:endParaRPr lang="pl-PL"/>
           </a:p>
@@ -3233,6 +3234,742 @@
 </p:sld>
 </file>
 
+<file path=ppt/slides/slide4.xml><?xml version="1.0" encoding="utf-8"?>
+<p:sld xmlns:a="http://schemas.openxmlformats.org/drawingml/2006/main" xmlns:r="http://schemas.openxmlformats.org/officeDocument/2006/relationships" xmlns:p="http://schemas.openxmlformats.org/presentationml/2006/main">
+  <p:cSld>
+    <p:spTree>
+      <p:nvGrpSpPr>
+        <p:cNvPr id="1" name=""/>
+        <p:cNvGrpSpPr/>
+        <p:nvPr/>
+      </p:nvGrpSpPr>
+      <p:grpSpPr>
+        <a:xfrm>
+          <a:off x="0" y="0"/>
+          <a:ext cx="0" cy="0"/>
+          <a:chOff x="0" y="0"/>
+          <a:chExt cx="0" cy="0"/>
+        </a:xfrm>
+      </p:grpSpPr>
+      <p:sp>
+        <p:nvSpPr>
+          <p:cNvPr id="2" name="Prostokąt 1"/>
+          <p:cNvSpPr/>
+          <p:nvPr/>
+        </p:nvSpPr>
+        <p:spPr>
+          <a:xfrm>
+            <a:off x="127000" y="1143000"/>
+            <a:ext cx="11810999" cy="3139321"/>
+          </a:xfrm>
+          <a:prstGeom prst="rect">
+            <a:avLst/>
+          </a:prstGeom>
+        </p:spPr>
+        <p:txBody>
+          <a:bodyPr wrap="square">
+            <a:spAutoFit/>
+          </a:bodyPr>
+          <a:lstStyle/>
+          <a:p>
+            <a:r>
+              <a:rPr lang="pl-PL" dirty="0" smtClean="0"/>
+              <a:t>    </a:t>
+            </a:r>
+            <a:r>
+              <a:rPr lang="en-US" dirty="0" err="1" smtClean="0"/>
+              <a:t>sudo</a:t>
+            </a:r>
+            <a:r>
+              <a:rPr lang="en-US" dirty="0" smtClean="0"/>
+              <a:t> apt </a:t>
+            </a:r>
+            <a:r>
+              <a:rPr lang="en-US" dirty="0"/>
+              <a:t>list </a:t>
+            </a:r>
+            <a:r>
+              <a:rPr lang="en-US" dirty="0" err="1"/>
+              <a:t>nazwa</a:t>
+            </a:r>
+            <a:r>
+              <a:rPr lang="en-US" dirty="0"/>
+              <a:t>   (</a:t>
+            </a:r>
+            <a:r>
+              <a:rPr lang="en-US" dirty="0" err="1"/>
+              <a:t>dawniej</a:t>
+            </a:r>
+            <a:r>
+              <a:rPr lang="en-US" dirty="0"/>
+              <a:t> </a:t>
+            </a:r>
+            <a:r>
+              <a:rPr lang="en-US" dirty="0" err="1"/>
+              <a:t>dpkg</a:t>
+            </a:r>
+            <a:r>
+              <a:rPr lang="en-US" dirty="0"/>
+              <a:t> -l | grep </a:t>
+            </a:r>
+            <a:r>
+              <a:rPr lang="en-US" dirty="0" err="1"/>
+              <a:t>nazwa</a:t>
+            </a:r>
+            <a:r>
+              <a:rPr lang="en-US" dirty="0"/>
+              <a:t>)                - </a:t>
+            </a:r>
+            <a:r>
+              <a:rPr lang="en-US" dirty="0" err="1"/>
+              <a:t>wyświetla</a:t>
+            </a:r>
+            <a:r>
+              <a:rPr lang="en-US" dirty="0"/>
+              <a:t> </a:t>
+            </a:r>
+            <a:r>
+              <a:rPr lang="en-US" dirty="0" err="1"/>
+              <a:t>listę</a:t>
+            </a:r>
+            <a:r>
+              <a:rPr lang="en-US" dirty="0"/>
+              <a:t> </a:t>
+            </a:r>
+            <a:r>
+              <a:rPr lang="en-US" dirty="0" err="1"/>
+              <a:t>pakietów</a:t>
+            </a:r>
+            <a:r>
+              <a:rPr lang="en-US" dirty="0"/>
+              <a:t> o </a:t>
+            </a:r>
+            <a:r>
+              <a:rPr lang="en-US" dirty="0" err="1"/>
+              <a:t>podanej</a:t>
+            </a:r>
+            <a:r>
+              <a:rPr lang="en-US" dirty="0"/>
+              <a:t> </a:t>
+            </a:r>
+            <a:r>
+              <a:rPr lang="en-US" dirty="0" err="1"/>
+              <a:t>nazwie</a:t>
+            </a:r>
+            <a:endParaRPr lang="en-US" dirty="0"/>
+          </a:p>
+          <a:p>
+            <a:r>
+              <a:rPr lang="en-US" dirty="0"/>
+              <a:t>    </a:t>
+            </a:r>
+            <a:r>
+              <a:rPr lang="en-US" dirty="0" err="1" smtClean="0"/>
+              <a:t>sudo</a:t>
+            </a:r>
+            <a:r>
+              <a:rPr lang="en-US" dirty="0" smtClean="0"/>
+              <a:t> apt </a:t>
+            </a:r>
+            <a:r>
+              <a:rPr lang="en-US" dirty="0"/>
+              <a:t>search </a:t>
+            </a:r>
+            <a:r>
+              <a:rPr lang="en-US" dirty="0" err="1"/>
+              <a:t>nazwa</a:t>
+            </a:r>
+            <a:r>
+              <a:rPr lang="en-US" dirty="0"/>
+              <a:t> (</a:t>
+            </a:r>
+            <a:r>
+              <a:rPr lang="en-US" dirty="0" err="1"/>
+              <a:t>dawniej</a:t>
+            </a:r>
+            <a:r>
+              <a:rPr lang="en-US" dirty="0"/>
+              <a:t> </a:t>
+            </a:r>
+            <a:r>
+              <a:rPr lang="en-US" dirty="0" err="1" smtClean="0"/>
+              <a:t>sudo</a:t>
+            </a:r>
+            <a:r>
+              <a:rPr lang="en-US" dirty="0" smtClean="0"/>
+              <a:t> apt-cache </a:t>
+            </a:r>
+            <a:r>
+              <a:rPr lang="en-US" dirty="0"/>
+              <a:t>search </a:t>
+            </a:r>
+            <a:r>
+              <a:rPr lang="en-US" dirty="0" err="1"/>
+              <a:t>nazwa</a:t>
+            </a:r>
+            <a:r>
+              <a:rPr lang="en-US" dirty="0"/>
+              <a:t>)              - </a:t>
+            </a:r>
+            <a:r>
+              <a:rPr lang="en-US" dirty="0" err="1"/>
+              <a:t>pokazuje</a:t>
+            </a:r>
+            <a:r>
+              <a:rPr lang="en-US" dirty="0"/>
+              <a:t> </a:t>
+            </a:r>
+          </a:p>
+          <a:p>
+            <a:r>
+              <a:rPr lang="en-US" dirty="0"/>
+              <a:t>    </a:t>
+            </a:r>
+            <a:r>
+              <a:rPr lang="en-US" dirty="0" err="1" smtClean="0"/>
+              <a:t>sudo</a:t>
+            </a:r>
+            <a:r>
+              <a:rPr lang="en-US" dirty="0" smtClean="0"/>
+              <a:t> apt </a:t>
+            </a:r>
+            <a:r>
+              <a:rPr lang="en-US" dirty="0"/>
+              <a:t>show </a:t>
+            </a:r>
+            <a:r>
+              <a:rPr lang="en-US" dirty="0" err="1"/>
+              <a:t>nazwa</a:t>
+            </a:r>
+            <a:r>
+              <a:rPr lang="en-US" dirty="0"/>
+              <a:t>   (</a:t>
+            </a:r>
+            <a:r>
+              <a:rPr lang="en-US" dirty="0" err="1"/>
+              <a:t>dawniej</a:t>
+            </a:r>
+            <a:r>
+              <a:rPr lang="en-US" dirty="0"/>
+              <a:t> </a:t>
+            </a:r>
+            <a:r>
+              <a:rPr lang="en-US" dirty="0" err="1" smtClean="0"/>
+              <a:t>sudo</a:t>
+            </a:r>
+            <a:r>
+              <a:rPr lang="en-US" dirty="0" smtClean="0"/>
+              <a:t> apt-cache </a:t>
+            </a:r>
+            <a:r>
+              <a:rPr lang="en-US" dirty="0"/>
+              <a:t>show </a:t>
+            </a:r>
+            <a:r>
+              <a:rPr lang="en-US" dirty="0" err="1"/>
+              <a:t>nazwa</a:t>
+            </a:r>
+            <a:r>
+              <a:rPr lang="en-US" dirty="0"/>
+              <a:t>)                - </a:t>
+            </a:r>
+            <a:r>
+              <a:rPr lang="en-US" dirty="0" err="1"/>
+              <a:t>pokazuje</a:t>
+            </a:r>
+            <a:r>
+              <a:rPr lang="en-US" dirty="0"/>
+              <a:t> </a:t>
+            </a:r>
+            <a:r>
+              <a:rPr lang="en-US" dirty="0" err="1"/>
+              <a:t>szczegóły</a:t>
+            </a:r>
+            <a:r>
+              <a:rPr lang="en-US" dirty="0"/>
+              <a:t> </a:t>
+            </a:r>
+            <a:r>
+              <a:rPr lang="en-US" dirty="0" err="1"/>
+              <a:t>pakietu</a:t>
+            </a:r>
+            <a:endParaRPr lang="en-US" dirty="0"/>
+          </a:p>
+          <a:p>
+            <a:r>
+              <a:rPr lang="en-US" dirty="0"/>
+              <a:t>    </a:t>
+            </a:r>
+            <a:r>
+              <a:rPr lang="en-US" dirty="0" err="1" smtClean="0"/>
+              <a:t>sudo</a:t>
+            </a:r>
+            <a:r>
+              <a:rPr lang="en-US" dirty="0" smtClean="0"/>
+              <a:t> apt </a:t>
+            </a:r>
+            <a:r>
+              <a:rPr lang="en-US" dirty="0"/>
+              <a:t>update       (</a:t>
+            </a:r>
+            <a:r>
+              <a:rPr lang="en-US" dirty="0" err="1"/>
+              <a:t>dawniej</a:t>
+            </a:r>
+            <a:r>
+              <a:rPr lang="en-US" dirty="0"/>
+              <a:t> </a:t>
+            </a:r>
+            <a:r>
+              <a:rPr lang="en-US" dirty="0" err="1" smtClean="0"/>
+              <a:t>sudo</a:t>
+            </a:r>
+            <a:r>
+              <a:rPr lang="en-US" dirty="0" smtClean="0"/>
+              <a:t> apt-get </a:t>
+            </a:r>
+            <a:r>
+              <a:rPr lang="en-US" dirty="0"/>
+              <a:t>update)                      - </a:t>
+            </a:r>
+            <a:r>
+              <a:rPr lang="en-US" dirty="0" err="1"/>
+              <a:t>aktualizuje</a:t>
+            </a:r>
+            <a:r>
+              <a:rPr lang="en-US" dirty="0"/>
+              <a:t> </a:t>
+            </a:r>
+            <a:r>
+              <a:rPr lang="en-US" dirty="0" err="1"/>
+              <a:t>listę</a:t>
+            </a:r>
+            <a:r>
+              <a:rPr lang="en-US" dirty="0"/>
+              <a:t> </a:t>
+            </a:r>
+            <a:r>
+              <a:rPr lang="en-US" dirty="0" err="1"/>
+              <a:t>dostępnych</a:t>
+            </a:r>
+            <a:r>
+              <a:rPr lang="en-US" dirty="0"/>
+              <a:t> </a:t>
+            </a:r>
+            <a:r>
+              <a:rPr lang="en-US" dirty="0" err="1"/>
+              <a:t>pakietów</a:t>
+            </a:r>
+            <a:endParaRPr lang="en-US" dirty="0"/>
+          </a:p>
+          <a:p>
+            <a:r>
+              <a:rPr lang="en-US" dirty="0"/>
+              <a:t>    </a:t>
+            </a:r>
+            <a:r>
+              <a:rPr lang="en-US" dirty="0" err="1" smtClean="0"/>
+              <a:t>sudo</a:t>
+            </a:r>
+            <a:r>
+              <a:rPr lang="en-US" dirty="0" smtClean="0"/>
+              <a:t> apt </a:t>
+            </a:r>
+            <a:r>
+              <a:rPr lang="en-US" dirty="0"/>
+              <a:t>install      (</a:t>
+            </a:r>
+            <a:r>
+              <a:rPr lang="en-US" dirty="0" err="1"/>
+              <a:t>dawniej</a:t>
+            </a:r>
+            <a:r>
+              <a:rPr lang="en-US" dirty="0"/>
+              <a:t> </a:t>
+            </a:r>
+            <a:r>
+              <a:rPr lang="en-US" dirty="0" err="1" smtClean="0"/>
+              <a:t>sudo</a:t>
+            </a:r>
+            <a:r>
+              <a:rPr lang="en-US" dirty="0" smtClean="0"/>
+              <a:t> apt-get </a:t>
+            </a:r>
+            <a:r>
+              <a:rPr lang="en-US" dirty="0"/>
+              <a:t>install </a:t>
+            </a:r>
+            <a:r>
+              <a:rPr lang="en-US" dirty="0" err="1"/>
+              <a:t>nazwa</a:t>
+            </a:r>
+            <a:r>
+              <a:rPr lang="en-US" dirty="0"/>
+              <a:t>)               - </a:t>
+            </a:r>
+            <a:r>
+              <a:rPr lang="en-US" dirty="0" err="1"/>
+              <a:t>instaluje</a:t>
+            </a:r>
+            <a:r>
+              <a:rPr lang="en-US" dirty="0"/>
+              <a:t> </a:t>
+            </a:r>
+            <a:r>
+              <a:rPr lang="en-US" dirty="0" err="1"/>
+              <a:t>paczkę</a:t>
+            </a:r>
+            <a:r>
+              <a:rPr lang="en-US" dirty="0"/>
+              <a:t> o </a:t>
+            </a:r>
+            <a:r>
+              <a:rPr lang="en-US" dirty="0" err="1"/>
+              <a:t>podanej</a:t>
+            </a:r>
+            <a:r>
+              <a:rPr lang="en-US" dirty="0"/>
+              <a:t> </a:t>
+            </a:r>
+            <a:r>
+              <a:rPr lang="en-US" dirty="0" err="1"/>
+              <a:t>nazwie</a:t>
+            </a:r>
+            <a:endParaRPr lang="en-US" dirty="0"/>
+          </a:p>
+          <a:p>
+            <a:r>
+              <a:rPr lang="en-US" dirty="0"/>
+              <a:t>    </a:t>
+            </a:r>
+            <a:r>
+              <a:rPr lang="en-US" dirty="0" err="1" smtClean="0"/>
+              <a:t>sudo</a:t>
+            </a:r>
+            <a:r>
+              <a:rPr lang="en-US" dirty="0" smtClean="0"/>
+              <a:t> apt </a:t>
+            </a:r>
+            <a:r>
+              <a:rPr lang="en-US" dirty="0" err="1"/>
+              <a:t>autoremove</a:t>
+            </a:r>
+            <a:r>
+              <a:rPr lang="en-US" dirty="0"/>
+              <a:t>   (</a:t>
+            </a:r>
+            <a:r>
+              <a:rPr lang="en-US" dirty="0" err="1"/>
+              <a:t>dawniej</a:t>
+            </a:r>
+            <a:r>
+              <a:rPr lang="en-US" dirty="0"/>
+              <a:t> </a:t>
+            </a:r>
+            <a:r>
+              <a:rPr lang="en-US" dirty="0" err="1" smtClean="0"/>
+              <a:t>sudo</a:t>
+            </a:r>
+            <a:r>
+              <a:rPr lang="en-US" dirty="0" smtClean="0"/>
+              <a:t> apt-get </a:t>
+            </a:r>
+            <a:r>
+              <a:rPr lang="en-US" dirty="0" err="1"/>
+              <a:t>autoremove</a:t>
+            </a:r>
+            <a:r>
+              <a:rPr lang="en-US" dirty="0"/>
+              <a:t>)                  - </a:t>
+            </a:r>
+            <a:r>
+              <a:rPr lang="en-US" dirty="0" err="1"/>
+              <a:t>usuwa</a:t>
+            </a:r>
+            <a:r>
+              <a:rPr lang="en-US" dirty="0"/>
+              <a:t> </a:t>
+            </a:r>
+            <a:r>
+              <a:rPr lang="en-US" dirty="0" err="1"/>
+              <a:t>wszystkie</a:t>
+            </a:r>
+            <a:r>
+              <a:rPr lang="en-US" dirty="0"/>
+              <a:t> </a:t>
+            </a:r>
+            <a:r>
+              <a:rPr lang="en-US" dirty="0" err="1"/>
+              <a:t>nieużywane</a:t>
+            </a:r>
+            <a:r>
+              <a:rPr lang="en-US" dirty="0"/>
+              <a:t> </a:t>
+            </a:r>
+            <a:r>
+              <a:rPr lang="en-US" dirty="0" err="1"/>
+              <a:t>pakiety</a:t>
+            </a:r>
+            <a:endParaRPr lang="en-US" dirty="0"/>
+          </a:p>
+          <a:p>
+            <a:r>
+              <a:rPr lang="en-US" dirty="0"/>
+              <a:t>    </a:t>
+            </a:r>
+            <a:r>
+              <a:rPr lang="en-US" dirty="0" err="1" smtClean="0"/>
+              <a:t>sudo</a:t>
+            </a:r>
+            <a:r>
+              <a:rPr lang="en-US" dirty="0" smtClean="0"/>
+              <a:t> apt </a:t>
+            </a:r>
+            <a:r>
+              <a:rPr lang="en-US" dirty="0"/>
+              <a:t>remove       (</a:t>
+            </a:r>
+            <a:r>
+              <a:rPr lang="en-US" dirty="0" err="1"/>
+              <a:t>dawniej</a:t>
+            </a:r>
+            <a:r>
+              <a:rPr lang="en-US" dirty="0"/>
+              <a:t> </a:t>
+            </a:r>
+            <a:r>
+              <a:rPr lang="en-US" dirty="0" err="1" smtClean="0"/>
+              <a:t>sudo</a:t>
+            </a:r>
+            <a:r>
+              <a:rPr lang="en-US" dirty="0" smtClean="0"/>
+              <a:t> apt-get </a:t>
+            </a:r>
+            <a:r>
+              <a:rPr lang="en-US" dirty="0"/>
+              <a:t>remove --purge </a:t>
+            </a:r>
+            <a:r>
+              <a:rPr lang="en-US" dirty="0" err="1"/>
+              <a:t>nazwa</a:t>
+            </a:r>
+            <a:r>
+              <a:rPr lang="en-US" dirty="0"/>
+              <a:t>)        - </a:t>
+            </a:r>
+            <a:r>
+              <a:rPr lang="en-US" dirty="0" err="1"/>
+              <a:t>usuwa</a:t>
+            </a:r>
+            <a:r>
+              <a:rPr lang="en-US" dirty="0"/>
+              <a:t> </a:t>
+            </a:r>
+            <a:r>
+              <a:rPr lang="en-US" dirty="0" err="1"/>
+              <a:t>pakiet</a:t>
+            </a:r>
+            <a:r>
+              <a:rPr lang="en-US" dirty="0"/>
+              <a:t> o </a:t>
+            </a:r>
+            <a:r>
+              <a:rPr lang="en-US" dirty="0" err="1"/>
+              <a:t>podanej</a:t>
+            </a:r>
+            <a:r>
+              <a:rPr lang="en-US" dirty="0"/>
+              <a:t> </a:t>
+            </a:r>
+            <a:r>
+              <a:rPr lang="en-US" dirty="0" err="1"/>
+              <a:t>nazwie</a:t>
+            </a:r>
+            <a:endParaRPr lang="en-US" dirty="0"/>
+          </a:p>
+          <a:p>
+            <a:r>
+              <a:rPr lang="en-US" dirty="0"/>
+              <a:t>    </a:t>
+            </a:r>
+            <a:r>
+              <a:rPr lang="en-US" dirty="0" err="1" smtClean="0"/>
+              <a:t>sudo</a:t>
+            </a:r>
+            <a:r>
+              <a:rPr lang="en-US" dirty="0" smtClean="0"/>
+              <a:t> apt</a:t>
+            </a:r>
+            <a:r>
+              <a:rPr lang="pl-PL" dirty="0" smtClean="0"/>
+              <a:t> </a:t>
+            </a:r>
+            <a:r>
+              <a:rPr lang="en-US" dirty="0" smtClean="0"/>
+              <a:t>upgrade      </a:t>
+            </a:r>
+            <a:r>
+              <a:rPr lang="en-US" dirty="0"/>
+              <a:t>(</a:t>
+            </a:r>
+            <a:r>
+              <a:rPr lang="en-US" dirty="0" err="1"/>
+              <a:t>dawniej</a:t>
+            </a:r>
+            <a:r>
+              <a:rPr lang="en-US" dirty="0"/>
+              <a:t> </a:t>
+            </a:r>
+            <a:r>
+              <a:rPr lang="en-US" dirty="0" err="1" smtClean="0"/>
+              <a:t>sudo</a:t>
+            </a:r>
+            <a:r>
+              <a:rPr lang="en-US" dirty="0" smtClean="0"/>
+              <a:t> apt-get </a:t>
+            </a:r>
+            <a:r>
+              <a:rPr lang="en-US" dirty="0"/>
+              <a:t>upgrade)                     - </a:t>
+            </a:r>
+            <a:r>
+              <a:rPr lang="en-US" dirty="0" err="1"/>
+              <a:t>aktualizuje</a:t>
+            </a:r>
+            <a:r>
+              <a:rPr lang="en-US" dirty="0"/>
+              <a:t> system</a:t>
+            </a:r>
+          </a:p>
+          <a:p>
+            <a:r>
+              <a:rPr lang="en-US" dirty="0"/>
+              <a:t>    </a:t>
+            </a:r>
+            <a:r>
+              <a:rPr lang="en-US" dirty="0" err="1" smtClean="0"/>
+              <a:t>sudo</a:t>
+            </a:r>
+            <a:r>
+              <a:rPr lang="en-US" dirty="0" smtClean="0"/>
+              <a:t> apt </a:t>
+            </a:r>
+            <a:r>
+              <a:rPr lang="en-US" dirty="0"/>
+              <a:t>full-upgrade (</a:t>
+            </a:r>
+            <a:r>
+              <a:rPr lang="en-US" dirty="0" err="1"/>
+              <a:t>dawniej</a:t>
+            </a:r>
+            <a:r>
+              <a:rPr lang="en-US" dirty="0"/>
+              <a:t> </a:t>
+            </a:r>
+            <a:r>
+              <a:rPr lang="en-US" dirty="0" err="1" smtClean="0"/>
+              <a:t>sudo</a:t>
+            </a:r>
+            <a:r>
+              <a:rPr lang="en-US" dirty="0" smtClean="0"/>
+              <a:t> apt-get </a:t>
+            </a:r>
+            <a:r>
+              <a:rPr lang="en-US" dirty="0" err="1" smtClean="0"/>
+              <a:t>update;sudo</a:t>
+            </a:r>
+            <a:r>
+              <a:rPr lang="en-US" dirty="0" smtClean="0"/>
+              <a:t> apt-get </a:t>
+            </a:r>
+            <a:r>
+              <a:rPr lang="en-US" dirty="0" err="1"/>
+              <a:t>dist</a:t>
+            </a:r>
+            <a:r>
+              <a:rPr lang="en-US" dirty="0"/>
+              <a:t>-upgrade) - </a:t>
+            </a:r>
+            <a:r>
+              <a:rPr lang="en-US" dirty="0" err="1"/>
+              <a:t>pełna</a:t>
+            </a:r>
+            <a:r>
+              <a:rPr lang="en-US" dirty="0"/>
+              <a:t> </a:t>
+            </a:r>
+            <a:r>
+              <a:rPr lang="en-US" dirty="0" err="1" smtClean="0"/>
+              <a:t>aktualizacja</a:t>
+            </a:r>
+            <a:r>
+              <a:rPr lang="pl-PL" dirty="0" smtClean="0"/>
+              <a:t> systemu</a:t>
+            </a:r>
+          </a:p>
+          <a:p>
+            <a:r>
+              <a:rPr lang="pl-PL" altLang="pl-PL" dirty="0" smtClean="0">
+                <a:latin typeface="Arial Unicode MS" panose="020B0604020202020204" pitchFamily="34" charset="-128"/>
+              </a:rPr>
+              <a:t>   </a:t>
+            </a:r>
+            <a:r>
+              <a:rPr lang="pl-PL" altLang="pl-PL" dirty="0" err="1"/>
+              <a:t>sudo</a:t>
+            </a:r>
+            <a:r>
+              <a:rPr lang="pl-PL" altLang="pl-PL" dirty="0"/>
+              <a:t> </a:t>
+            </a:r>
+            <a:r>
+              <a:rPr lang="pl-PL" altLang="pl-PL" dirty="0" err="1" smtClean="0"/>
+              <a:t>apt</a:t>
+            </a:r>
+            <a:r>
+              <a:rPr lang="pl-PL" altLang="pl-PL" dirty="0" smtClean="0"/>
+              <a:t> </a:t>
+            </a:r>
+            <a:r>
+              <a:rPr lang="pl-PL" altLang="pl-PL" dirty="0" err="1"/>
+              <a:t>clean</a:t>
+            </a:r>
+            <a:r>
+              <a:rPr lang="pl-PL" altLang="pl-PL" dirty="0"/>
+              <a:t> </a:t>
+            </a:r>
+            <a:r>
+              <a:rPr lang="pl-PL" altLang="pl-PL" dirty="0" smtClean="0"/>
+              <a:t>(czyści dysk po z plików </a:t>
+            </a:r>
+            <a:r>
+              <a:rPr lang="pl-PL" altLang="pl-PL" dirty="0" err="1" smtClean="0"/>
+              <a:t>intalacyjnych</a:t>
+            </a:r>
+            <a:r>
+              <a:rPr lang="pl-PL" altLang="pl-PL" dirty="0" smtClean="0"/>
+              <a:t>)</a:t>
+            </a:r>
+            <a:endParaRPr lang="pl-PL" altLang="pl-PL" dirty="0"/>
+          </a:p>
+          <a:p>
+            <a:endParaRPr lang="en-US" dirty="0"/>
+          </a:p>
+        </p:txBody>
+      </p:sp>
+    </p:spTree>
+    <p:extLst>
+      <p:ext uri="{BB962C8B-B14F-4D97-AF65-F5344CB8AC3E}">
+        <p14:creationId xmlns:p14="http://schemas.microsoft.com/office/powerpoint/2010/main" val="3280381412"/>
+      </p:ext>
+    </p:extLst>
+  </p:cSld>
+  <p:clrMapOvr>
+    <a:masterClrMapping/>
+  </p:clrMapOvr>
+</p:sld>
+</file>
+
 <file path=ppt/theme/theme1.xml><?xml version="1.0" encoding="utf-8"?>
 <a:theme xmlns:a="http://schemas.openxmlformats.org/drawingml/2006/main" name="Motyw pakietu Office">
   <a:themeElements>
